--- a/dog_bite_presentation.pptx
+++ b/dog_bite_presentation.pptx
@@ -5,7 +5,7 @@
     <p:sldMasterId id="2147483673" r:id="rId1"/>
   </p:sldMasterIdLst>
   <p:notesMasterIdLst>
-    <p:notesMasterId r:id="rId16"/>
+    <p:notesMasterId r:id="rId15"/>
   </p:notesMasterIdLst>
   <p:sldIdLst>
     <p:sldId id="256" r:id="rId2"/>
@@ -21,7 +21,6 @@
     <p:sldId id="266" r:id="rId12"/>
     <p:sldId id="267" r:id="rId13"/>
     <p:sldId id="268" r:id="rId14"/>
-    <p:sldId id="269" r:id="rId15"/>
   </p:sldIdLst>
   <p:sldSz cx="12192000" cy="6858000"/>
   <p:notesSz cx="6858000" cy="9144000"/>
@@ -2740,7 +2739,7 @@
   <dgm:whole/>
   <dgm:extLst>
     <a:ext uri="http://schemas.microsoft.com/office/drawing/2008/diagram">
-      <dsp:dataModelExt xmlns:dsp="http://schemas.microsoft.com/office/drawing/2008/diagram" relId="rId6" minVer="http://schemas.openxmlformats.org/drawingml/2006/diagram"/>
+      <dsp:dataModelExt xmlns:dsp="http://schemas.microsoft.com/office/drawing/2008/diagram" relId="rId7" minVer="http://schemas.openxmlformats.org/drawingml/2006/diagram"/>
     </a:ext>
   </dgm:extLst>
 </dgm:dataModel>
@@ -7104,7 +7103,7 @@
           <a:p>
             <a:fld id="{3E62B672-5F24-974D-BC4D-4762DD21742F}" type="slidenum">
               <a:rPr lang="en-US" smtClean="0"/>
-              <a:t>12</a:t>
+              <a:t>3</a:t>
             </a:fld>
             <a:endParaRPr lang="en-US"/>
           </a:p>
@@ -7113,7 +7112,7 @@
     </p:spTree>
     <p:extLst>
       <p:ext uri="{BB962C8B-B14F-4D97-AF65-F5344CB8AC3E}">
-        <p14:creationId xmlns:p14="http://schemas.microsoft.com/office/powerpoint/2010/main" val="3464281194"/>
+        <p14:creationId xmlns:p14="http://schemas.microsoft.com/office/powerpoint/2010/main" val="2144201916"/>
       </p:ext>
     </p:extLst>
   </p:cSld>
@@ -7167,10 +7166,6 @@
           <a:bodyPr/>
           <a:lstStyle/>
           <a:p>
-            <a:r>
-              <a:rPr lang="en-US" dirty="0" err="1"/>
-              <a:t>MigashaneVictoireMigashaneVictoire</a:t>
-            </a:r>
             <a:endParaRPr lang="en-US" dirty="0"/>
           </a:p>
         </p:txBody>
@@ -7192,7 +7187,7 @@
           <a:p>
             <a:fld id="{3E62B672-5F24-974D-BC4D-4762DD21742F}" type="slidenum">
               <a:rPr lang="en-US" smtClean="0"/>
-              <a:t>13</a:t>
+              <a:t>12</a:t>
             </a:fld>
             <a:endParaRPr lang="en-US"/>
           </a:p>
@@ -7201,7 +7196,7 @@
     </p:spTree>
     <p:extLst>
       <p:ext uri="{BB962C8B-B14F-4D97-AF65-F5344CB8AC3E}">
-        <p14:creationId xmlns:p14="http://schemas.microsoft.com/office/powerpoint/2010/main" val="2442309484"/>
+        <p14:creationId xmlns:p14="http://schemas.microsoft.com/office/powerpoint/2010/main" val="3464281194"/>
       </p:ext>
     </p:extLst>
   </p:cSld>
@@ -7255,6 +7250,10 @@
           <a:bodyPr/>
           <a:lstStyle/>
           <a:p>
+            <a:r>
+              <a:rPr lang="en-US" dirty="0" err="1"/>
+              <a:t>MigashaneVictoireMigashaneVictoire</a:t>
+            </a:r>
             <a:endParaRPr lang="en-US" dirty="0"/>
           </a:p>
         </p:txBody>
@@ -7276,7 +7275,7 @@
           <a:p>
             <a:fld id="{3E62B672-5F24-974D-BC4D-4762DD21742F}" type="slidenum">
               <a:rPr lang="en-US" smtClean="0"/>
-              <a:t>14</a:t>
+              <a:t>13</a:t>
             </a:fld>
             <a:endParaRPr lang="en-US"/>
           </a:p>
@@ -7285,7 +7284,7 @@
     </p:spTree>
     <p:extLst>
       <p:ext uri="{BB962C8B-B14F-4D97-AF65-F5344CB8AC3E}">
-        <p14:creationId xmlns:p14="http://schemas.microsoft.com/office/powerpoint/2010/main" val="3635310759"/>
+        <p14:creationId xmlns:p14="http://schemas.microsoft.com/office/powerpoint/2010/main" val="2442309484"/>
       </p:ext>
     </p:extLst>
   </p:cSld>
@@ -12159,514 +12158,6 @@
 </p:sld>
 </file>
 
-<file path=ppt/slides/slide14.xml><?xml version="1.0" encoding="utf-8"?>
-<p:sld xmlns:a="http://schemas.openxmlformats.org/drawingml/2006/main" xmlns:r="http://schemas.openxmlformats.org/officeDocument/2006/relationships" xmlns:p="http://schemas.openxmlformats.org/presentationml/2006/main">
-  <p:cSld>
-    <p:bg>
-      <p:bgPr>
-        <a:solidFill>
-          <a:schemeClr val="bg1"/>
-        </a:solidFill>
-        <a:effectLst/>
-      </p:bgPr>
-    </p:bg>
-    <p:spTree>
-      <p:nvGrpSpPr>
-        <p:cNvPr id="1" name=""/>
-        <p:cNvGrpSpPr/>
-        <p:nvPr/>
-      </p:nvGrpSpPr>
-      <p:grpSpPr>
-        <a:xfrm>
-          <a:off x="0" y="0"/>
-          <a:ext cx="0" cy="0"/>
-          <a:chOff x="0" y="0"/>
-          <a:chExt cx="0" cy="0"/>
-        </a:xfrm>
-      </p:grpSpPr>
-      <p:sp useBgFill="1">
-        <p:nvSpPr>
-          <p:cNvPr id="1058" name="Rectangle 1057">
-            <a:extLst>
-              <a:ext uri="{FF2B5EF4-FFF2-40B4-BE49-F238E27FC236}">
-                <a16:creationId xmlns:a16="http://schemas.microsoft.com/office/drawing/2014/main" id="{84136905-015B-4510-B514-027CBA846BD6}"/>
-              </a:ext>
-              <a:ext uri="{C183D7F6-B498-43B3-948B-1728B52AA6E4}">
-                <adec:decorative xmlns:adec="http://schemas.microsoft.com/office/drawing/2017/decorative" val="1"/>
-              </a:ext>
-            </a:extLst>
-          </p:cNvPr>
-          <p:cNvSpPr>
-            <a:spLocks noGrp="1" noRot="1" noChangeAspect="1" noMove="1" noResize="1" noEditPoints="1" noAdjustHandles="1" noChangeArrowheads="1" noChangeShapeType="1" noTextEdit="1"/>
-          </p:cNvSpPr>
-          <p:nvPr>
-            <p:extLst>
-              <p:ext uri="{386F3935-93C4-4BCD-93E2-E3B085C9AB24}">
-                <p16:designElem xmlns:p16="http://schemas.microsoft.com/office/powerpoint/2015/main" val="1"/>
-              </p:ext>
-            </p:extLst>
-          </p:nvPr>
-        </p:nvSpPr>
-        <p:spPr>
-          <a:xfrm>
-            <a:off x="0" y="0"/>
-            <a:ext cx="12192000" cy="6858000"/>
-          </a:xfrm>
-          <a:prstGeom prst="rect">
-            <a:avLst/>
-          </a:prstGeom>
-          <a:ln>
-            <a:noFill/>
-          </a:ln>
-        </p:spPr>
-        <p:style>
-          <a:lnRef idx="2">
-            <a:schemeClr val="accent1">
-              <a:shade val="50000"/>
-            </a:schemeClr>
-          </a:lnRef>
-          <a:fillRef idx="1">
-            <a:schemeClr val="accent1"/>
-          </a:fillRef>
-          <a:effectRef idx="0">
-            <a:schemeClr val="accent1"/>
-          </a:effectRef>
-          <a:fontRef idx="minor">
-            <a:schemeClr val="lt1"/>
-          </a:fontRef>
-        </p:style>
-        <p:txBody>
-          <a:bodyPr rtlCol="0" anchor="ctr"/>
-          <a:lstStyle/>
-          <a:p>
-            <a:pPr algn="ctr"/>
-            <a:endParaRPr lang="en-US"/>
-          </a:p>
-        </p:txBody>
-      </p:sp>
-      <p:sp>
-        <p:nvSpPr>
-          <p:cNvPr id="1060" name="Rectangle 1059">
-            <a:extLst>
-              <a:ext uri="{FF2B5EF4-FFF2-40B4-BE49-F238E27FC236}">
-                <a16:creationId xmlns:a16="http://schemas.microsoft.com/office/drawing/2014/main" id="{36CD0F97-2E5B-4E84-8544-EB24DED10446}"/>
-              </a:ext>
-              <a:ext uri="{C183D7F6-B498-43B3-948B-1728B52AA6E4}">
-                <adec:decorative xmlns:adec="http://schemas.microsoft.com/office/drawing/2017/decorative" val="1"/>
-              </a:ext>
-            </a:extLst>
-          </p:cNvPr>
-          <p:cNvSpPr>
-            <a:spLocks noGrp="1" noRot="1" noChangeAspect="1" noMove="1" noResize="1" noEditPoints="1" noAdjustHandles="1" noChangeArrowheads="1" noChangeShapeType="1" noTextEdit="1"/>
-          </p:cNvSpPr>
-          <p:nvPr>
-            <p:extLst>
-              <p:ext uri="{386F3935-93C4-4BCD-93E2-E3B085C9AB24}">
-                <p16:designElem xmlns:p16="http://schemas.microsoft.com/office/powerpoint/2015/main" val="1"/>
-              </p:ext>
-            </p:extLst>
-          </p:nvPr>
-        </p:nvSpPr>
-        <p:spPr>
-          <a:xfrm>
-            <a:off x="0" y="-2"/>
-            <a:ext cx="12192000" cy="6858001"/>
-          </a:xfrm>
-          <a:prstGeom prst="rect">
-            <a:avLst/>
-          </a:prstGeom>
-          <a:gradFill flip="none" rotWithShape="1">
-            <a:gsLst>
-              <a:gs pos="10000">
-                <a:schemeClr val="accent5"/>
-              </a:gs>
-              <a:gs pos="90000">
-                <a:schemeClr val="accent1"/>
-              </a:gs>
-              <a:gs pos="70000">
-                <a:schemeClr val="accent2"/>
-              </a:gs>
-              <a:gs pos="30000">
-                <a:schemeClr val="accent4"/>
-              </a:gs>
-              <a:gs pos="50000">
-                <a:schemeClr val="accent3">
-                  <a:lumMod val="60000"/>
-                  <a:lumOff val="40000"/>
-                </a:schemeClr>
-              </a:gs>
-            </a:gsLst>
-            <a:lin ang="7200000" scaled="0"/>
-            <a:tileRect/>
-          </a:gradFill>
-          <a:ln>
-            <a:noFill/>
-          </a:ln>
-        </p:spPr>
-        <p:style>
-          <a:lnRef idx="2">
-            <a:schemeClr val="accent1">
-              <a:shade val="50000"/>
-            </a:schemeClr>
-          </a:lnRef>
-          <a:fillRef idx="1">
-            <a:schemeClr val="accent1"/>
-          </a:fillRef>
-          <a:effectRef idx="0">
-            <a:schemeClr val="accent1"/>
-          </a:effectRef>
-          <a:fontRef idx="minor">
-            <a:schemeClr val="lt1"/>
-          </a:fontRef>
-        </p:style>
-        <p:txBody>
-          <a:bodyPr rtlCol="0" anchor="ctr"/>
-          <a:lstStyle/>
-          <a:p>
-            <a:pPr algn="ctr"/>
-            <a:endParaRPr lang="en-US"/>
-          </a:p>
-        </p:txBody>
-      </p:sp>
-      <p:sp useBgFill="1">
-        <p:nvSpPr>
-          <p:cNvPr id="1062" name="Rectangle 1061">
-            <a:extLst>
-              <a:ext uri="{FF2B5EF4-FFF2-40B4-BE49-F238E27FC236}">
-                <a16:creationId xmlns:a16="http://schemas.microsoft.com/office/drawing/2014/main" id="{3B272257-593A-402F-88FA-F1DECD9E3FC4}"/>
-              </a:ext>
-              <a:ext uri="{C183D7F6-B498-43B3-948B-1728B52AA6E4}">
-                <adec:decorative xmlns:adec="http://schemas.microsoft.com/office/drawing/2017/decorative" val="1"/>
-              </a:ext>
-            </a:extLst>
-          </p:cNvPr>
-          <p:cNvSpPr>
-            <a:spLocks noGrp="1" noRot="1" noChangeAspect="1" noMove="1" noResize="1" noEditPoints="1" noAdjustHandles="1" noChangeArrowheads="1" noChangeShapeType="1" noTextEdit="1"/>
-          </p:cNvSpPr>
-          <p:nvPr>
-            <p:extLst>
-              <p:ext uri="{386F3935-93C4-4BCD-93E2-E3B085C9AB24}">
-                <p16:designElem xmlns:p16="http://schemas.microsoft.com/office/powerpoint/2015/main" val="1"/>
-              </p:ext>
-            </p:extLst>
-          </p:nvPr>
-        </p:nvSpPr>
-        <p:spPr>
-          <a:xfrm>
-            <a:off x="0" y="761999"/>
-            <a:ext cx="12192000" cy="6095999"/>
-          </a:xfrm>
-          <a:prstGeom prst="rect">
-            <a:avLst/>
-          </a:prstGeom>
-          <a:ln w="76200">
-            <a:noFill/>
-          </a:ln>
-        </p:spPr>
-        <p:style>
-          <a:lnRef idx="2">
-            <a:schemeClr val="accent1">
-              <a:shade val="50000"/>
-            </a:schemeClr>
-          </a:lnRef>
-          <a:fillRef idx="1">
-            <a:schemeClr val="accent1"/>
-          </a:fillRef>
-          <a:effectRef idx="0">
-            <a:schemeClr val="accent1"/>
-          </a:effectRef>
-          <a:fontRef idx="minor">
-            <a:schemeClr val="lt1"/>
-          </a:fontRef>
-        </p:style>
-        <p:txBody>
-          <a:bodyPr rtlCol="0" anchor="ctr"/>
-          <a:lstStyle/>
-          <a:p>
-            <a:pPr algn="ctr"/>
-            <a:endParaRPr lang="en-US"/>
-          </a:p>
-        </p:txBody>
-      </p:sp>
-      <p:sp>
-        <p:nvSpPr>
-          <p:cNvPr id="2" name="Title 1">
-            <a:extLst>
-              <a:ext uri="{FF2B5EF4-FFF2-40B4-BE49-F238E27FC236}">
-                <a16:creationId xmlns:a16="http://schemas.microsoft.com/office/drawing/2014/main" id="{748FAAE0-609C-B3AD-2C70-AE05EDEB25DA}"/>
-              </a:ext>
-            </a:extLst>
-          </p:cNvPr>
-          <p:cNvSpPr>
-            <a:spLocks noGrp="1"/>
-          </p:cNvSpPr>
-          <p:nvPr>
-            <p:ph type="title"/>
-          </p:nvPr>
-        </p:nvSpPr>
-        <p:spPr>
-          <a:xfrm>
-            <a:off x="5431940" y="1517650"/>
-            <a:ext cx="5998059" cy="1344613"/>
-          </a:xfrm>
-        </p:spPr>
-        <p:txBody>
-          <a:bodyPr>
-            <a:normAutofit/>
-          </a:bodyPr>
-          <a:lstStyle/>
-          <a:p>
-            <a:r>
-              <a:rPr lang="en-US" dirty="0"/>
-              <a:t>Contact and Resources</a:t>
-            </a:r>
-          </a:p>
-        </p:txBody>
-      </p:sp>
-      <p:pic>
-        <p:nvPicPr>
-          <p:cNvPr id="1028" name="Picture 4" descr="GitHub логотип PNG">
-            <a:extLst>
-              <a:ext uri="{FF2B5EF4-FFF2-40B4-BE49-F238E27FC236}">
-                <a16:creationId xmlns:a16="http://schemas.microsoft.com/office/drawing/2014/main" id="{04786D5A-9BAD-AAC7-9021-76EC8609D860}"/>
-              </a:ext>
-            </a:extLst>
-          </p:cNvPr>
-          <p:cNvPicPr>
-            <a:picLocks noChangeAspect="1" noChangeArrowheads="1"/>
-          </p:cNvPicPr>
-          <p:nvPr/>
-        </p:nvPicPr>
-        <p:blipFill>
-          <a:blip r:embed="rId3">
-            <a:extLst>
-              <a:ext uri="{28A0092B-C50C-407E-A947-70E740481C1C}">
-                <a14:useLocalDpi xmlns:a14="http://schemas.microsoft.com/office/drawing/2010/main" val="0"/>
-              </a:ext>
-            </a:extLst>
-          </a:blip>
-          <a:stretch>
-            <a:fillRect/>
-          </a:stretch>
-        </p:blipFill>
-        <p:spPr bwMode="auto">
-          <a:xfrm>
-            <a:off x="1520936" y="1520823"/>
-            <a:ext cx="2374419" cy="2142914"/>
-          </a:xfrm>
-          <a:prstGeom prst="rect">
-            <a:avLst/>
-          </a:prstGeom>
-          <a:noFill/>
-          <a:extLst>
-            <a:ext uri="{909E8E84-426E-40DD-AFC4-6F175D3DCCD1}">
-              <a14:hiddenFill xmlns:a14="http://schemas.microsoft.com/office/drawing/2010/main">
-                <a:solidFill>
-                  <a:srgbClr val="FFFFFF"/>
-                </a:solidFill>
-              </a14:hiddenFill>
-            </a:ext>
-          </a:extLst>
-        </p:spPr>
-      </p:pic>
-      <p:pic>
-        <p:nvPicPr>
-          <p:cNvPr id="1026" name="Picture 2" descr="Linkedin Logo Png - Free Transparent PNG Logos">
-            <a:extLst>
-              <a:ext uri="{FF2B5EF4-FFF2-40B4-BE49-F238E27FC236}">
-                <a16:creationId xmlns:a16="http://schemas.microsoft.com/office/drawing/2014/main" id="{A0A28F55-6FC7-06CD-D940-3594E6A95216}"/>
-              </a:ext>
-            </a:extLst>
-          </p:cNvPr>
-          <p:cNvPicPr>
-            <a:picLocks noChangeAspect="1" noChangeArrowheads="1"/>
-          </p:cNvPicPr>
-          <p:nvPr/>
-        </p:nvPicPr>
-        <p:blipFill>
-          <a:blip r:embed="rId4">
-            <a:extLst>
-              <a:ext uri="{28A0092B-C50C-407E-A947-70E740481C1C}">
-                <a14:useLocalDpi xmlns:a14="http://schemas.microsoft.com/office/drawing/2010/main" val="0"/>
-              </a:ext>
-            </a:extLst>
-          </a:blip>
-          <a:stretch>
-            <a:fillRect/>
-          </a:stretch>
-        </p:blipFill>
-        <p:spPr bwMode="auto">
-          <a:xfrm>
-            <a:off x="762000" y="4542031"/>
-            <a:ext cx="3892291" cy="982803"/>
-          </a:xfrm>
-          <a:prstGeom prst="rect">
-            <a:avLst/>
-          </a:prstGeom>
-          <a:noFill/>
-          <a:extLst>
-            <a:ext uri="{909E8E84-426E-40DD-AFC4-6F175D3DCCD1}">
-              <a14:hiddenFill xmlns:a14="http://schemas.microsoft.com/office/drawing/2010/main">
-                <a:solidFill>
-                  <a:srgbClr val="FFFFFF"/>
-                </a:solidFill>
-              </a14:hiddenFill>
-            </a:ext>
-          </a:extLst>
-        </p:spPr>
-      </p:pic>
-      <p:sp>
-        <p:nvSpPr>
-          <p:cNvPr id="3" name="Content Placeholder 2">
-            <a:extLst>
-              <a:ext uri="{FF2B5EF4-FFF2-40B4-BE49-F238E27FC236}">
-                <a16:creationId xmlns:a16="http://schemas.microsoft.com/office/drawing/2014/main" id="{E6182D02-844C-AFAD-1EB3-6F7D83B77C3D}"/>
-              </a:ext>
-            </a:extLst>
-          </p:cNvPr>
-          <p:cNvSpPr>
-            <a:spLocks noGrp="1"/>
-          </p:cNvSpPr>
-          <p:nvPr>
-            <p:ph idx="1"/>
-          </p:nvPr>
-        </p:nvSpPr>
-        <p:spPr>
-          <a:xfrm>
-            <a:off x="5431940" y="2970213"/>
-            <a:ext cx="5998059" cy="3125787"/>
-          </a:xfrm>
-        </p:spPr>
-        <p:txBody>
-          <a:bodyPr>
-            <a:normAutofit/>
-          </a:bodyPr>
-          <a:lstStyle/>
-          <a:p>
-            <a:pPr>
-              <a:lnSpc>
-                <a:spcPct val="95000"/>
-              </a:lnSpc>
-            </a:pPr>
-            <a:r>
-              <a:rPr lang="en-US"/>
-              <a:t>Resources</a:t>
-            </a:r>
-          </a:p>
-          <a:p>
-            <a:pPr lvl="1">
-              <a:lnSpc>
-                <a:spcPct val="95000"/>
-              </a:lnSpc>
-            </a:pPr>
-            <a:r>
-              <a:rPr lang="en-US"/>
-              <a:t>View project: </a:t>
-            </a:r>
-            <a:r>
-              <a:rPr lang="en-US">
-                <a:hlinkClick r:id="rId5"/>
-              </a:rPr>
-              <a:t>Github.com</a:t>
-            </a:r>
-            <a:endParaRPr lang="en-US"/>
-          </a:p>
-          <a:p>
-            <a:pPr lvl="1">
-              <a:lnSpc>
-                <a:spcPct val="95000"/>
-              </a:lnSpc>
-            </a:pPr>
-            <a:r>
-              <a:rPr lang="en-US"/>
-              <a:t>Data source: </a:t>
-            </a:r>
-            <a:r>
-              <a:rPr lang="en-US">
-                <a:hlinkClick r:id="rId6"/>
-              </a:rPr>
-              <a:t>Data.gov</a:t>
-            </a:r>
-            <a:endParaRPr lang="en-US"/>
-          </a:p>
-          <a:p>
-            <a:pPr lvl="1">
-              <a:lnSpc>
-                <a:spcPct val="95000"/>
-              </a:lnSpc>
-            </a:pPr>
-            <a:endParaRPr lang="en-US"/>
-          </a:p>
-          <a:p>
-            <a:pPr>
-              <a:lnSpc>
-                <a:spcPct val="95000"/>
-              </a:lnSpc>
-            </a:pPr>
-            <a:r>
-              <a:rPr lang="en-US"/>
-              <a:t>Contact</a:t>
-            </a:r>
-          </a:p>
-          <a:p>
-            <a:pPr lvl="1">
-              <a:lnSpc>
-                <a:spcPct val="95000"/>
-              </a:lnSpc>
-            </a:pPr>
-            <a:r>
-              <a:rPr lang="en-US"/>
-              <a:t>LinkedIn: </a:t>
-            </a:r>
-            <a:r>
-              <a:rPr lang="en-US">
-                <a:hlinkClick r:id="rId7"/>
-              </a:rPr>
-              <a:t>/Migashane-victoire</a:t>
-            </a:r>
-            <a:endParaRPr lang="en-US"/>
-          </a:p>
-          <a:p>
-            <a:pPr lvl="1">
-              <a:lnSpc>
-                <a:spcPct val="95000"/>
-              </a:lnSpc>
-            </a:pPr>
-            <a:r>
-              <a:rPr lang="en-US"/>
-              <a:t>Github: </a:t>
-            </a:r>
-            <a:r>
-              <a:rPr lang="en-US">
-                <a:hlinkClick r:id="rId8"/>
-              </a:rPr>
-              <a:t>/MigashaneVictoire</a:t>
-            </a:r>
-            <a:endParaRPr lang="en-US"/>
-          </a:p>
-          <a:p>
-            <a:pPr lvl="1">
-              <a:lnSpc>
-                <a:spcPct val="95000"/>
-              </a:lnSpc>
-            </a:pPr>
-            <a:endParaRPr lang="en-US"/>
-          </a:p>
-        </p:txBody>
-      </p:sp>
-    </p:spTree>
-    <p:extLst>
-      <p:ext uri="{BB962C8B-B14F-4D97-AF65-F5344CB8AC3E}">
-        <p14:creationId xmlns:p14="http://schemas.microsoft.com/office/powerpoint/2010/main" val="742351450"/>
-      </p:ext>
-    </p:extLst>
-  </p:cSld>
-  <p:clrMapOvr>
-    <a:masterClrMapping/>
-  </p:clrMapOvr>
-</p:sld>
-</file>
-
 <file path=ppt/slides/slide2.xml><?xml version="1.0" encoding="utf-8"?>
 <p:sld xmlns:a="http://schemas.openxmlformats.org/drawingml/2006/main" xmlns:r="http://schemas.openxmlformats.org/officeDocument/2006/relationships" xmlns:p="http://schemas.openxmlformats.org/presentationml/2006/main">
   <p:cSld>
@@ -13139,7 +12630,7 @@
         </p:xfrm>
         <a:graphic>
           <a:graphicData uri="http://schemas.openxmlformats.org/drawingml/2006/diagram">
-            <dgm:relIds xmlns:dgm="http://schemas.openxmlformats.org/drawingml/2006/diagram" xmlns:r="http://schemas.openxmlformats.org/officeDocument/2006/relationships" r:dm="rId2" r:lo="rId3" r:qs="rId4" r:cs="rId5"/>
+            <dgm:relIds xmlns:dgm="http://schemas.openxmlformats.org/drawingml/2006/diagram" xmlns:r="http://schemas.openxmlformats.org/officeDocument/2006/relationships" r:dm="rId3" r:lo="rId4" r:qs="rId5" r:cs="rId6"/>
           </a:graphicData>
         </a:graphic>
       </p:graphicFrame>
